--- a/1.csEntry/Ge1_8_コンストラクタと継承.pptx
+++ b/1.csEntry/Ge1_8_コンストラクタと継承.pptx
@@ -284,7 +284,7 @@
           <a:p>
             <a:fld id="{691E08CE-871E-42A1-882B-8194E9FA60B7}" type="datetimeFigureOut">
               <a:rPr kumimoji="1" lang="ja-JP" altLang="en-US" smtClean="0"/>
-              <a:t>2023/5/29</a:t>
+              <a:t>2024/6/13</a:t>
             </a:fld>
             <a:endParaRPr kumimoji="1" lang="ja-JP" altLang="en-US"/>
           </a:p>
@@ -514,7 +514,7 @@
           <a:p>
             <a:fld id="{691E08CE-871E-42A1-882B-8194E9FA60B7}" type="datetimeFigureOut">
               <a:rPr kumimoji="1" lang="ja-JP" altLang="en-US" smtClean="0"/>
-              <a:t>2023/5/29</a:t>
+              <a:t>2024/6/13</a:t>
             </a:fld>
             <a:endParaRPr kumimoji="1" lang="ja-JP" altLang="en-US"/>
           </a:p>
@@ -754,7 +754,7 @@
           <a:p>
             <a:fld id="{691E08CE-871E-42A1-882B-8194E9FA60B7}" type="datetimeFigureOut">
               <a:rPr kumimoji="1" lang="ja-JP" altLang="en-US" smtClean="0"/>
-              <a:t>2023/5/29</a:t>
+              <a:t>2024/6/13</a:t>
             </a:fld>
             <a:endParaRPr kumimoji="1" lang="ja-JP" altLang="en-US"/>
           </a:p>
@@ -984,7 +984,7 @@
           <a:p>
             <a:fld id="{691E08CE-871E-42A1-882B-8194E9FA60B7}" type="datetimeFigureOut">
               <a:rPr kumimoji="1" lang="ja-JP" altLang="en-US" smtClean="0"/>
-              <a:t>2023/5/29</a:t>
+              <a:t>2024/6/13</a:t>
             </a:fld>
             <a:endParaRPr kumimoji="1" lang="ja-JP" altLang="en-US"/>
           </a:p>
@@ -1259,7 +1259,7 @@
           <a:p>
             <a:fld id="{691E08CE-871E-42A1-882B-8194E9FA60B7}" type="datetimeFigureOut">
               <a:rPr kumimoji="1" lang="ja-JP" altLang="en-US" smtClean="0"/>
-              <a:t>2023/5/29</a:t>
+              <a:t>2024/6/13</a:t>
             </a:fld>
             <a:endParaRPr kumimoji="1" lang="ja-JP" altLang="en-US"/>
           </a:p>
@@ -1588,7 +1588,7 @@
           <a:p>
             <a:fld id="{691E08CE-871E-42A1-882B-8194E9FA60B7}" type="datetimeFigureOut">
               <a:rPr kumimoji="1" lang="ja-JP" altLang="en-US" smtClean="0"/>
-              <a:t>2023/5/29</a:t>
+              <a:t>2024/6/13</a:t>
             </a:fld>
             <a:endParaRPr kumimoji="1" lang="ja-JP" altLang="en-US"/>
           </a:p>
@@ -2064,7 +2064,7 @@
           <a:p>
             <a:fld id="{691E08CE-871E-42A1-882B-8194E9FA60B7}" type="datetimeFigureOut">
               <a:rPr kumimoji="1" lang="ja-JP" altLang="en-US" smtClean="0"/>
-              <a:t>2023/5/29</a:t>
+              <a:t>2024/6/13</a:t>
             </a:fld>
             <a:endParaRPr kumimoji="1" lang="ja-JP" altLang="en-US"/>
           </a:p>
@@ -2205,7 +2205,7 @@
           <a:p>
             <a:fld id="{691E08CE-871E-42A1-882B-8194E9FA60B7}" type="datetimeFigureOut">
               <a:rPr kumimoji="1" lang="ja-JP" altLang="en-US" smtClean="0"/>
-              <a:t>2023/5/29</a:t>
+              <a:t>2024/6/13</a:t>
             </a:fld>
             <a:endParaRPr kumimoji="1" lang="ja-JP" altLang="en-US"/>
           </a:p>
@@ -2318,7 +2318,7 @@
           <a:p>
             <a:fld id="{691E08CE-871E-42A1-882B-8194E9FA60B7}" type="datetimeFigureOut">
               <a:rPr kumimoji="1" lang="ja-JP" altLang="en-US" smtClean="0"/>
-              <a:t>2023/5/29</a:t>
+              <a:t>2024/6/13</a:t>
             </a:fld>
             <a:endParaRPr kumimoji="1" lang="ja-JP" altLang="en-US"/>
           </a:p>
@@ -2661,7 +2661,7 @@
           <a:p>
             <a:fld id="{691E08CE-871E-42A1-882B-8194E9FA60B7}" type="datetimeFigureOut">
               <a:rPr kumimoji="1" lang="ja-JP" altLang="en-US" smtClean="0"/>
-              <a:t>2023/5/29</a:t>
+              <a:t>2024/6/13</a:t>
             </a:fld>
             <a:endParaRPr kumimoji="1" lang="ja-JP" altLang="en-US"/>
           </a:p>
@@ -2949,7 +2949,7 @@
           <a:p>
             <a:fld id="{691E08CE-871E-42A1-882B-8194E9FA60B7}" type="datetimeFigureOut">
               <a:rPr kumimoji="1" lang="ja-JP" altLang="en-US" smtClean="0"/>
-              <a:t>2023/5/29</a:t>
+              <a:t>2024/6/13</a:t>
             </a:fld>
             <a:endParaRPr kumimoji="1" lang="ja-JP" altLang="en-US"/>
           </a:p>
@@ -3222,7 +3222,7 @@
           <a:p>
             <a:fld id="{691E08CE-871E-42A1-882B-8194E9FA60B7}" type="datetimeFigureOut">
               <a:rPr kumimoji="1" lang="ja-JP" altLang="en-US" smtClean="0"/>
-              <a:t>2023/5/29</a:t>
+              <a:t>2024/6/13</a:t>
             </a:fld>
             <a:endParaRPr kumimoji="1" lang="ja-JP" altLang="en-US"/>
           </a:p>
@@ -6404,7 +6404,7 @@
         <p:spPr>
           <a:xfrm>
             <a:off x="276061" y="2458922"/>
-            <a:ext cx="8223726" cy="3970318"/>
+            <a:ext cx="7375737" cy="3970318"/>
           </a:xfrm>
           <a:prstGeom prst="rect">
             <a:avLst/>
@@ -6567,7 +6567,7 @@
           <a:p>
             <a:r>
               <a:rPr lang="en-US" altLang="ja-JP" dirty="0"/>
-              <a:t>Vector3 Add(Vector3 v1,Vector3 v2,Vector3 v3) – </a:t>
+              <a:t>Vector3 Add(Vector3 v1,Vector3 v2) – </a:t>
             </a:r>
             <a:r>
               <a:rPr lang="ja-JP" altLang="en-US" dirty="0"/>
@@ -6578,7 +6578,11 @@
           <a:p>
             <a:r>
               <a:rPr lang="en-US" altLang="ja-JP" dirty="0"/>
-              <a:t>Vector3 Sub(Vector3 v1,Vector3 v2,Vector3 v3) </a:t>
+              <a:t>Vector3 Sub(Vector3 v1,</a:t>
+            </a:r>
+            <a:r>
+              <a:rPr lang="en-US" altLang="ja-JP"/>
+              <a:t>Vector3 v2) </a:t>
             </a:r>
             <a:r>
               <a:rPr lang="ja-JP" altLang="en-US" dirty="0"/>

--- a/1.csEntry/Ge1_8_コンストラクタと継承.pptx
+++ b/1.csEntry/Ge1_8_コンストラクタと継承.pptx
@@ -5674,7 +5674,7 @@
           <a:p>
             <a:r>
               <a:rPr lang="en-US" altLang="ja-JP" dirty="0"/>
-              <a:t>Vector(){} – 0</a:t>
+              <a:t>Vector2(){} – 0</a:t>
             </a:r>
             <a:r>
               <a:rPr lang="ja-JP" altLang="en-US" dirty="0"/>
@@ -5685,7 +5685,7 @@
           <a:p>
             <a:r>
               <a:rPr lang="en-US" altLang="ja-JP" dirty="0"/>
-              <a:t>Vector(float </a:t>
+              <a:t>Vector2(float </a:t>
             </a:r>
             <a:r>
               <a:rPr lang="en-US" altLang="ja-JP" dirty="0" err="1"/>
@@ -6480,7 +6480,7 @@
           <a:p>
             <a:r>
               <a:rPr lang="en-US" altLang="ja-JP" dirty="0"/>
-              <a:t>Vector(){} – 0</a:t>
+              <a:t>Vector3(){} – 0</a:t>
             </a:r>
             <a:r>
               <a:rPr lang="ja-JP" altLang="en-US" dirty="0"/>
@@ -6490,8 +6490,12 @@
           </a:p>
           <a:p>
             <a:r>
+              <a:rPr lang="en-US" altLang="ja-JP"/>
+              <a:t>Vector3(</a:t>
+            </a:r>
+            <a:r>
               <a:rPr lang="en-US" altLang="ja-JP" dirty="0"/>
-              <a:t>Vector(float </a:t>
+              <a:t>float </a:t>
             </a:r>
             <a:r>
               <a:rPr lang="en-US" altLang="ja-JP" dirty="0" err="1"/>
@@ -6578,11 +6582,7 @@
           <a:p>
             <a:r>
               <a:rPr lang="en-US" altLang="ja-JP" dirty="0"/>
-              <a:t>Vector3 Sub(Vector3 v1,</a:t>
-            </a:r>
-            <a:r>
-              <a:rPr lang="en-US" altLang="ja-JP"/>
-              <a:t>Vector3 v2) </a:t>
+              <a:t>Vector3 Sub(Vector3 v1,Vector3 v2) </a:t>
             </a:r>
             <a:r>
               <a:rPr lang="ja-JP" altLang="en-US" dirty="0"/>
